--- a/golang_fast.pptx
+++ b/golang_fast.pptx
@@ -10,16 +10,17 @@
     <p:sldId id="258" r:id="rId5"/>
     <p:sldId id="259" r:id="rId6"/>
     <p:sldId id="260" r:id="rId7"/>
-    <p:sldId id="326" r:id="rId8"/>
-    <p:sldId id="264" r:id="rId9"/>
-    <p:sldId id="265" r:id="rId10"/>
-    <p:sldId id="266" r:id="rId11"/>
-    <p:sldId id="267" r:id="rId12"/>
-    <p:sldId id="268" r:id="rId13"/>
-    <p:sldId id="283" r:id="rId14"/>
-    <p:sldId id="313" r:id="rId15"/>
-    <p:sldId id="321" r:id="rId16"/>
-    <p:sldId id="325" r:id="rId17"/>
+    <p:sldId id="327" r:id="rId8"/>
+    <p:sldId id="326" r:id="rId9"/>
+    <p:sldId id="264" r:id="rId10"/>
+    <p:sldId id="265" r:id="rId11"/>
+    <p:sldId id="266" r:id="rId12"/>
+    <p:sldId id="267" r:id="rId13"/>
+    <p:sldId id="268" r:id="rId14"/>
+    <p:sldId id="283" r:id="rId15"/>
+    <p:sldId id="313" r:id="rId16"/>
+    <p:sldId id="321" r:id="rId17"/>
+    <p:sldId id="325" r:id="rId18"/>
   </p:sldIdLst>
   <p:sldSz cx="12192000" cy="6858000"/>
   <p:notesSz cx="6858000" cy="9144000"/>
@@ -4639,6 +4640,938 @@
       </p:grpSpPr>
       <p:pic>
         <p:nvPicPr>
+          <p:cNvPr id="238" name="Picture 238"/>
+          <p:cNvPicPr>
+            <a:picLocks noChangeAspect="1"/>
+          </p:cNvPicPr>
+          <p:nvPr/>
+        </p:nvPicPr>
+        <p:blipFill>
+          <a:blip r:embed="rId1"/>
+          <a:stretch>
+            <a:fillRect/>
+          </a:stretch>
+        </p:blipFill>
+        <p:spPr>
+          <a:xfrm>
+            <a:off x="0" y="0"/>
+            <a:ext cx="12198350" cy="6864350"/>
+          </a:xfrm>
+          <a:prstGeom prst="rect">
+            <a:avLst/>
+          </a:prstGeom>
+        </p:spPr>
+      </p:pic>
+      <p:sp>
+        <p:nvSpPr>
+          <p:cNvPr id="2" name="Freeform 238"/>
+          <p:cNvSpPr/>
+          <p:nvPr/>
+        </p:nvSpPr>
+        <p:spPr>
+          <a:xfrm>
+            <a:off x="4197566" y="438592"/>
+            <a:ext cx="460375" cy="660400"/>
+          </a:xfrm>
+          <a:custGeom>
+            <a:avLst/>
+            <a:gdLst>
+              <a:gd name="connsiteX0" fmla="*/ 454025 w 460375"/>
+              <a:gd name="connsiteY0" fmla="*/ 330200 h 660400"/>
+              <a:gd name="connsiteX1" fmla="*/ 6350 w 460375"/>
+              <a:gd name="connsiteY1" fmla="*/ 654050 h 660400"/>
+              <a:gd name="connsiteX2" fmla="*/ 6350 w 460375"/>
+              <a:gd name="connsiteY2" fmla="*/ 6350 h 660400"/>
+              <a:gd name="connsiteX3" fmla="*/ 454025 w 460375"/>
+              <a:gd name="connsiteY3" fmla="*/ 330200 h 660400"/>
+            </a:gdLst>
+            <a:ahLst/>
+            <a:cxnLst>
+              <a:cxn ang="0">
+                <a:pos x="connsiteX0" y="connsiteY0"/>
+              </a:cxn>
+              <a:cxn ang="0">
+                <a:pos x="connsiteX1" y="connsiteY1"/>
+              </a:cxn>
+              <a:cxn ang="0">
+                <a:pos x="connsiteX2" y="connsiteY2"/>
+              </a:cxn>
+              <a:cxn ang="0">
+                <a:pos x="connsiteX3" y="connsiteY3"/>
+              </a:cxn>
+            </a:cxnLst>
+            <a:rect l="l" t="t" r="r" b="b"/>
+            <a:pathLst>
+              <a:path w="460375" h="660400">
+                <a:moveTo>
+                  <a:pt x="454025" y="330200"/>
+                </a:moveTo>
+                <a:lnTo>
+                  <a:pt x="6350" y="654050"/>
+                </a:lnTo>
+                <a:lnTo>
+                  <a:pt x="6350" y="6350"/>
+                </a:lnTo>
+                <a:lnTo>
+                  <a:pt x="454025" y="330200"/>
+                </a:lnTo>
+                <a:close/>
+              </a:path>
+            </a:pathLst>
+          </a:custGeom>
+          <a:solidFill>
+            <a:srgbClr val="FFC000">
+              <a:alpha val="100000"/>
+            </a:srgbClr>
+          </a:solidFill>
+          <a:ln w="20">
+            <a:solidFill>
+              <a:srgbClr val="32538F">
+                <a:alpha val="100000"/>
+              </a:srgbClr>
+            </a:solidFill>
+          </a:ln>
+          <a:effectLst/>
+        </p:spPr>
+        <p:style>
+          <a:lnRef idx="2">
+            <a:schemeClr val="accent1"/>
+          </a:lnRef>
+          <a:fillRef idx="0">
+            <a:schemeClr val="accent1"/>
+          </a:fillRef>
+          <a:effectRef idx="1">
+            <a:schemeClr val="accent1"/>
+          </a:effectRef>
+          <a:fontRef idx="minor">
+            <a:schemeClr val="tx1"/>
+          </a:fontRef>
+        </p:style>
+        <p:txBody>
+          <a:bodyPr rtlCol="0" anchor="ctr"/>
+          <a:lstStyle/>
+          <a:p>
+            <a:pPr algn="ctr"/>
+            <a:endParaRPr lang="en-US"/>
+          </a:p>
+        </p:txBody>
+      </p:sp>
+      <p:pic>
+        <p:nvPicPr>
+          <p:cNvPr id="240" name="Picture 240"/>
+          <p:cNvPicPr>
+            <a:picLocks noChangeAspect="1"/>
+          </p:cNvPicPr>
+          <p:nvPr/>
+        </p:nvPicPr>
+        <p:blipFill>
+          <a:blip r:embed="rId2"/>
+          <a:stretch>
+            <a:fillRect/>
+          </a:stretch>
+        </p:blipFill>
+        <p:spPr>
+          <a:xfrm>
+            <a:off x="7708900" y="4597400"/>
+            <a:ext cx="4324350" cy="2266950"/>
+          </a:xfrm>
+          <a:prstGeom prst="rect">
+            <a:avLst/>
+          </a:prstGeom>
+        </p:spPr>
+      </p:pic>
+      <p:pic>
+        <p:nvPicPr>
+          <p:cNvPr id="241" name="Picture 241"/>
+          <p:cNvPicPr>
+            <a:picLocks noChangeAspect="1"/>
+          </p:cNvPicPr>
+          <p:nvPr/>
+        </p:nvPicPr>
+        <p:blipFill>
+          <a:blip r:embed="rId3"/>
+          <a:stretch>
+            <a:fillRect/>
+          </a:stretch>
+        </p:blipFill>
+        <p:spPr>
+          <a:xfrm>
+            <a:off x="1759889" y="4920526"/>
+            <a:ext cx="428574" cy="502208"/>
+          </a:xfrm>
+          <a:prstGeom prst="rect">
+            <a:avLst/>
+          </a:prstGeom>
+        </p:spPr>
+      </p:pic>
+      <p:sp>
+        <p:nvSpPr>
+          <p:cNvPr id="3" name="Freeform 241"/>
+          <p:cNvSpPr/>
+          <p:nvPr/>
+        </p:nvSpPr>
+        <p:spPr>
+          <a:xfrm>
+            <a:off x="1740839" y="4901476"/>
+            <a:ext cx="466667" cy="540308"/>
+          </a:xfrm>
+          <a:custGeom>
+            <a:avLst/>
+            <a:gdLst>
+              <a:gd name="connsiteX0" fmla="*/ 19050 w 466667"/>
+              <a:gd name="connsiteY0" fmla="*/ 272921 h 540308"/>
+              <a:gd name="connsiteX1" fmla="*/ 244842 w 466667"/>
+              <a:gd name="connsiteY1" fmla="*/ 19050 h 540308"/>
+              <a:gd name="connsiteX2" fmla="*/ 447617 w 466667"/>
+              <a:gd name="connsiteY2" fmla="*/ 325420 h 540308"/>
+              <a:gd name="connsiteX3" fmla="*/ 256388 w 466667"/>
+              <a:gd name="connsiteY3" fmla="*/ 521258 h 540308"/>
+              <a:gd name="connsiteX4" fmla="*/ 19050 w 466667"/>
+              <a:gd name="connsiteY4" fmla="*/ 298496 h 540308"/>
+            </a:gdLst>
+            <a:ahLst/>
+            <a:cxnLst>
+              <a:cxn ang="0">
+                <a:pos x="connsiteX0" y="connsiteY0"/>
+              </a:cxn>
+              <a:cxn ang="0">
+                <a:pos x="connsiteX1" y="connsiteY1"/>
+              </a:cxn>
+              <a:cxn ang="0">
+                <a:pos x="connsiteX2" y="connsiteY2"/>
+              </a:cxn>
+              <a:cxn ang="0">
+                <a:pos x="connsiteX3" y="connsiteY3"/>
+              </a:cxn>
+              <a:cxn ang="0">
+                <a:pos x="connsiteX4" y="connsiteY4"/>
+              </a:cxn>
+            </a:cxnLst>
+            <a:rect l="l" t="t" r="r" b="b"/>
+            <a:pathLst>
+              <a:path w="466667" h="540308">
+                <a:moveTo>
+                  <a:pt x="19050" y="272921"/>
+                </a:moveTo>
+                <a:cubicBezTo>
+                  <a:pt x="125160" y="294427"/>
+                  <a:pt x="192937" y="109889"/>
+                  <a:pt x="244842" y="19050"/>
+                </a:cubicBezTo>
+                <a:cubicBezTo>
+                  <a:pt x="244762" y="156971"/>
+                  <a:pt x="349384" y="239672"/>
+                  <a:pt x="447617" y="325420"/>
+                </a:cubicBezTo>
+                <a:cubicBezTo>
+                  <a:pt x="347301" y="341137"/>
+                  <a:pt x="290238" y="422560"/>
+                  <a:pt x="256388" y="521258"/>
+                </a:cubicBezTo>
+                <a:cubicBezTo>
+                  <a:pt x="231687" y="399310"/>
+                  <a:pt x="137342" y="327350"/>
+                  <a:pt x="19050" y="298496"/>
+                </a:cubicBezTo>
+              </a:path>
+            </a:pathLst>
+          </a:custGeom>
+          <a:ln w="60">
+            <a:solidFill>
+              <a:srgbClr val="46537A">
+                <a:alpha val="100000"/>
+              </a:srgbClr>
+            </a:solidFill>
+          </a:ln>
+          <a:effectLst/>
+        </p:spPr>
+        <p:style>
+          <a:lnRef idx="2">
+            <a:schemeClr val="accent1"/>
+          </a:lnRef>
+          <a:fillRef idx="0">
+            <a:schemeClr val="accent1"/>
+          </a:fillRef>
+          <a:effectRef idx="1">
+            <a:schemeClr val="accent1"/>
+          </a:effectRef>
+          <a:fontRef idx="minor">
+            <a:schemeClr val="tx1"/>
+          </a:fontRef>
+        </p:style>
+        <p:txBody>
+          <a:bodyPr rtlCol="0" anchor="ctr"/>
+          <a:lstStyle/>
+          <a:p>
+            <a:pPr algn="ctr"/>
+            <a:endParaRPr lang="en-US"/>
+          </a:p>
+        </p:txBody>
+      </p:sp>
+      <p:pic>
+        <p:nvPicPr>
+          <p:cNvPr id="243" name="Picture 243"/>
+          <p:cNvPicPr>
+            <a:picLocks noChangeAspect="1"/>
+          </p:cNvPicPr>
+          <p:nvPr/>
+        </p:nvPicPr>
+        <p:blipFill>
+          <a:blip r:embed="rId4"/>
+          <a:stretch>
+            <a:fillRect/>
+          </a:stretch>
+        </p:blipFill>
+        <p:spPr>
+          <a:xfrm>
+            <a:off x="1762785" y="2179853"/>
+            <a:ext cx="422986" cy="498475"/>
+          </a:xfrm>
+          <a:prstGeom prst="rect">
+            <a:avLst/>
+          </a:prstGeom>
+        </p:spPr>
+      </p:pic>
+      <p:sp>
+        <p:nvSpPr>
+          <p:cNvPr id="4" name="Freeform 243"/>
+          <p:cNvSpPr/>
+          <p:nvPr/>
+        </p:nvSpPr>
+        <p:spPr>
+          <a:xfrm>
+            <a:off x="1743735" y="2160803"/>
+            <a:ext cx="461090" cy="536569"/>
+          </a:xfrm>
+          <a:custGeom>
+            <a:avLst/>
+            <a:gdLst>
+              <a:gd name="connsiteX0" fmla="*/ 19050 w 461090"/>
+              <a:gd name="connsiteY0" fmla="*/ 271030 h 536569"/>
+              <a:gd name="connsiteX1" fmla="*/ 241903 w 461090"/>
+              <a:gd name="connsiteY1" fmla="*/ 19050 h 536569"/>
+              <a:gd name="connsiteX2" fmla="*/ 442040 w 461090"/>
+              <a:gd name="connsiteY2" fmla="*/ 323139 h 536569"/>
+              <a:gd name="connsiteX3" fmla="*/ 253300 w 461090"/>
+              <a:gd name="connsiteY3" fmla="*/ 517519 h 536569"/>
+              <a:gd name="connsiteX4" fmla="*/ 19050 w 461090"/>
+              <a:gd name="connsiteY4" fmla="*/ 296416 h 536569"/>
+            </a:gdLst>
+            <a:ahLst/>
+            <a:cxnLst>
+              <a:cxn ang="0">
+                <a:pos x="connsiteX0" y="connsiteY0"/>
+              </a:cxn>
+              <a:cxn ang="0">
+                <a:pos x="connsiteX1" y="connsiteY1"/>
+              </a:cxn>
+              <a:cxn ang="0">
+                <a:pos x="connsiteX2" y="connsiteY2"/>
+              </a:cxn>
+              <a:cxn ang="0">
+                <a:pos x="connsiteX3" y="connsiteY3"/>
+              </a:cxn>
+              <a:cxn ang="0">
+                <a:pos x="connsiteX4" y="connsiteY4"/>
+              </a:cxn>
+            </a:cxnLst>
+            <a:rect l="l" t="t" r="r" b="b"/>
+            <a:pathLst>
+              <a:path w="461090" h="536569">
+                <a:moveTo>
+                  <a:pt x="19050" y="271030"/>
+                </a:moveTo>
+                <a:cubicBezTo>
+                  <a:pt x="123779" y="292378"/>
+                  <a:pt x="190674" y="109213"/>
+                  <a:pt x="241903" y="19050"/>
+                </a:cubicBezTo>
+                <a:cubicBezTo>
+                  <a:pt x="241824" y="155944"/>
+                  <a:pt x="345085" y="238031"/>
+                  <a:pt x="442040" y="323139"/>
+                </a:cubicBezTo>
+                <a:cubicBezTo>
+                  <a:pt x="343029" y="338739"/>
+                  <a:pt x="286708" y="419557"/>
+                  <a:pt x="253300" y="517519"/>
+                </a:cubicBezTo>
+                <a:cubicBezTo>
+                  <a:pt x="228920" y="396480"/>
+                  <a:pt x="135803" y="325055"/>
+                  <a:pt x="19050" y="296416"/>
+                </a:cubicBezTo>
+              </a:path>
+            </a:pathLst>
+          </a:custGeom>
+          <a:ln w="60">
+            <a:solidFill>
+              <a:srgbClr val="46537A">
+                <a:alpha val="100000"/>
+              </a:srgbClr>
+            </a:solidFill>
+          </a:ln>
+          <a:effectLst/>
+        </p:spPr>
+        <p:style>
+          <a:lnRef idx="2">
+            <a:schemeClr val="accent1"/>
+          </a:lnRef>
+          <a:fillRef idx="0">
+            <a:schemeClr val="accent1"/>
+          </a:fillRef>
+          <a:effectRef idx="1">
+            <a:schemeClr val="accent1"/>
+          </a:effectRef>
+          <a:fontRef idx="minor">
+            <a:schemeClr val="tx1"/>
+          </a:fontRef>
+        </p:style>
+        <p:txBody>
+          <a:bodyPr rtlCol="0" anchor="ctr"/>
+          <a:lstStyle/>
+          <a:p>
+            <a:pPr algn="ctr"/>
+            <a:endParaRPr lang="en-US"/>
+          </a:p>
+        </p:txBody>
+      </p:sp>
+      <p:sp>
+        <p:nvSpPr>
+          <p:cNvPr id="244" name="TextBox 244"/>
+          <p:cNvSpPr txBox="1"/>
+          <p:nvPr/>
+        </p:nvSpPr>
+        <p:spPr>
+          <a:xfrm>
+            <a:off x="2641600" y="560425"/>
+            <a:ext cx="5057813" cy="5329834"/>
+          </a:xfrm>
+          <a:prstGeom prst="rect">
+            <a:avLst/>
+          </a:prstGeom>
+          <a:noFill/>
+        </p:spPr>
+        <p:txBody>
+          <a:bodyPr wrap="square" lIns="0" tIns="0" rIns="0" bIns="0" rtlCol="0">
+            <a:spAutoFit/>
+          </a:bodyPr>
+          <a:lstStyle/>
+          <a:p>
+            <a:pPr marL="0" indent="3084830">
+              <a:lnSpc>
+                <a:spcPct val="100000"/>
+              </a:lnSpc>
+            </a:pPr>
+            <a:r>
+              <a:rPr lang="zh-CN" altLang="en-US" sz="3200" spc="-5" dirty="0">
+                <a:solidFill>
+                  <a:srgbClr val="333F4F"/>
+                </a:solidFill>
+                <a:latin typeface="宋体"/>
+                <a:ea typeface="宋体"/>
+              </a:rPr>
+              <a:t>基本</a:t>
+            </a:r>
+            <a:r>
+              <a:rPr lang="zh-CN" altLang="en-US" sz="3200" dirty="0">
+                <a:solidFill>
+                  <a:srgbClr val="333F4F"/>
+                </a:solidFill>
+                <a:latin typeface="宋体"/>
+                <a:ea typeface="宋体"/>
+              </a:rPr>
+              <a:t>优化</a:t>
+            </a:r>
+            <a:endParaRPr lang="zh-CN" altLang="en-US" sz="3200" dirty="0">
+              <a:solidFill>
+                <a:srgbClr val="333F4F"/>
+              </a:solidFill>
+              <a:latin typeface="宋体"/>
+              <a:ea typeface="宋体"/>
+            </a:endParaRPr>
+          </a:p>
+          <a:p>
+            <a:pPr>
+              <a:lnSpc>
+                <a:spcPts val="1000"/>
+              </a:lnSpc>
+            </a:pPr>
+            <a:endParaRPr lang="en-US" dirty="0"/>
+          </a:p>
+          <a:p>
+            <a:pPr>
+              <a:lnSpc>
+                <a:spcPts val="1000"/>
+              </a:lnSpc>
+            </a:pPr>
+            <a:endParaRPr lang="en-US" dirty="0"/>
+          </a:p>
+          <a:p>
+            <a:pPr>
+              <a:lnSpc>
+                <a:spcPts val="1000"/>
+              </a:lnSpc>
+            </a:pPr>
+            <a:endParaRPr lang="en-US" dirty="0"/>
+          </a:p>
+          <a:p>
+            <a:pPr>
+              <a:lnSpc>
+                <a:spcPts val="1000"/>
+              </a:lnSpc>
+            </a:pPr>
+            <a:endParaRPr lang="en-US" dirty="0"/>
+          </a:p>
+          <a:p>
+            <a:pPr>
+              <a:lnSpc>
+                <a:spcPts val="1000"/>
+              </a:lnSpc>
+            </a:pPr>
+            <a:endParaRPr lang="en-US" dirty="0"/>
+          </a:p>
+          <a:p>
+            <a:pPr>
+              <a:lnSpc>
+                <a:spcPts val="1920"/>
+              </a:lnSpc>
+            </a:pPr>
+            <a:endParaRPr lang="en-US" dirty="0"/>
+          </a:p>
+          <a:p>
+            <a:pPr marL="0" hangingPunct="0">
+              <a:lnSpc>
+                <a:spcPct val="166000"/>
+              </a:lnSpc>
+            </a:pPr>
+            <a:r>
+              <a:rPr lang="zh-CN" altLang="en-US" sz="2500" spc="-415" dirty="0">
+                <a:solidFill>
+                  <a:srgbClr val="44332E"/>
+                </a:solidFill>
+                <a:latin typeface="宋体"/>
+                <a:ea typeface="宋体"/>
+              </a:rPr>
+              <a:t>不不要滥⽤用</a:t>
+            </a:r>
+            <a:r>
+              <a:rPr lang="en-US" altLang="zh-CN" sz="2500" spc="-175" dirty="0">
+                <a:solidFill>
+                  <a:srgbClr val="44332E"/>
+                </a:solidFill>
+                <a:latin typeface="Arial" panose="020B0604020202020204"/>
+                <a:ea typeface="Arial" panose="020B0604020202020204"/>
+              </a:rPr>
+              <a:t>time.After</a:t>
+            </a:r>
+            <a:r>
+              <a:rPr lang="zh-CN" altLang="en-US" sz="2500" spc="-419" dirty="0">
+                <a:solidFill>
+                  <a:srgbClr val="44332E"/>
+                </a:solidFill>
+                <a:latin typeface="宋体"/>
+                <a:ea typeface="宋体"/>
+              </a:rPr>
+              <a:t>，多⽤用</a:t>
+            </a:r>
+            <a:r>
+              <a:rPr lang="zh-CN" altLang="en-US" sz="2500" spc="-410" dirty="0">
+                <a:solidFill>
+                  <a:srgbClr val="44332E"/>
+                </a:solidFill>
+                <a:latin typeface="宋体"/>
+                <a:ea typeface="宋体"/>
+              </a:rPr>
+              <a:t>事件通知</a:t>
+            </a:r>
+            <a:r>
+              <a:rPr lang="zh-CN" altLang="en-US" sz="2500" spc="-570" dirty="0">
+                <a:solidFill>
+                  <a:srgbClr val="44332E"/>
+                </a:solidFill>
+                <a:latin typeface="宋体"/>
+                <a:ea typeface="宋体"/>
+              </a:rPr>
+              <a:t>不不要滥⽤用</a:t>
+            </a:r>
+            <a:r>
+              <a:rPr lang="en-US" altLang="zh-CN" sz="2500" spc="-255" dirty="0">
+                <a:solidFill>
+                  <a:srgbClr val="44332E"/>
+                </a:solidFill>
+                <a:latin typeface="Arial" panose="020B0604020202020204"/>
+                <a:ea typeface="Arial" panose="020B0604020202020204"/>
+              </a:rPr>
+              <a:t>goroutine,</a:t>
+            </a:r>
+            <a:r>
+              <a:rPr lang="en-US" altLang="zh-CN" sz="2500" spc="-15" dirty="0">
+                <a:solidFill>
+                  <a:srgbClr val="44332E"/>
+                </a:solidFill>
+                <a:latin typeface="Arial" panose="020B0604020202020204"/>
+                <a:cs typeface="Arial" panose="020B0604020202020204"/>
+              </a:rPr>
+              <a:t> </a:t>
+            </a:r>
+            <a:r>
+              <a:rPr lang="zh-CN" altLang="en-US" sz="2500" spc="-575" dirty="0">
+                <a:solidFill>
+                  <a:srgbClr val="44332E"/>
+                </a:solidFill>
+                <a:latin typeface="宋体"/>
+                <a:ea typeface="宋体"/>
+              </a:rPr>
+              <a:t>减少</a:t>
+            </a:r>
+            <a:r>
+              <a:rPr lang="en-US" altLang="zh-CN" sz="2500" spc="-300" dirty="0">
+                <a:solidFill>
+                  <a:srgbClr val="44332E"/>
+                </a:solidFill>
+                <a:latin typeface="Arial" panose="020B0604020202020204"/>
+                <a:ea typeface="Arial" panose="020B0604020202020204"/>
+              </a:rPr>
+              <a:t>gc</a:t>
+            </a:r>
+            <a:r>
+              <a:rPr lang="zh-CN" altLang="en-US" sz="2500" spc="-570" dirty="0">
+                <a:solidFill>
+                  <a:srgbClr val="44332E"/>
+                </a:solidFill>
+                <a:latin typeface="宋体"/>
+                <a:ea typeface="宋体"/>
+              </a:rPr>
+              <a:t>压⼒力力</a:t>
+            </a:r>
+            <a:endParaRPr lang="zh-CN" altLang="en-US" sz="2500" spc="-570" dirty="0">
+              <a:solidFill>
+                <a:srgbClr val="44332E"/>
+              </a:solidFill>
+              <a:latin typeface="宋体"/>
+              <a:ea typeface="宋体"/>
+            </a:endParaRPr>
+          </a:p>
+          <a:p>
+            <a:pPr>
+              <a:lnSpc>
+                <a:spcPts val="1020"/>
+              </a:lnSpc>
+            </a:pPr>
+            <a:endParaRPr lang="en-US" dirty="0"/>
+          </a:p>
+          <a:p>
+            <a:pPr marL="0">
+              <a:lnSpc>
+                <a:spcPct val="100000"/>
+              </a:lnSpc>
+            </a:pPr>
+            <a:r>
+              <a:rPr lang="zh-CN" altLang="en-US" sz="2500" spc="-405" dirty="0">
+                <a:solidFill>
+                  <a:srgbClr val="44332E"/>
+                </a:solidFill>
+                <a:latin typeface="宋体"/>
+                <a:ea typeface="宋体"/>
+              </a:rPr>
+              <a:t>不不要滥⽤用锁</a:t>
+            </a:r>
+            <a:r>
+              <a:rPr lang="en-US" altLang="zh-CN" sz="2500" spc="-100" dirty="0">
+                <a:solidFill>
+                  <a:srgbClr val="44332E"/>
+                </a:solidFill>
+                <a:latin typeface="Arial" panose="020B0604020202020204"/>
+                <a:ea typeface="Arial" panose="020B0604020202020204"/>
+              </a:rPr>
+              <a:t>,</a:t>
+            </a:r>
+            <a:r>
+              <a:rPr lang="en-US" altLang="zh-CN" sz="2500" spc="-5" dirty="0">
+                <a:solidFill>
+                  <a:srgbClr val="44332E"/>
+                </a:solidFill>
+                <a:latin typeface="Arial" panose="020B0604020202020204"/>
+                <a:cs typeface="Arial" panose="020B0604020202020204"/>
+              </a:rPr>
+              <a:t> </a:t>
+            </a:r>
+            <a:r>
+              <a:rPr lang="zh-CN" altLang="en-US" sz="2500" spc="-405" dirty="0">
+                <a:solidFill>
+                  <a:srgbClr val="44332E"/>
+                </a:solidFill>
+                <a:latin typeface="宋体"/>
+                <a:ea typeface="宋体"/>
+              </a:rPr>
+              <a:t>引起</a:t>
+            </a:r>
+            <a:r>
+              <a:rPr lang="en-US" altLang="zh-CN" sz="2500" spc="-190" dirty="0">
+                <a:solidFill>
+                  <a:srgbClr val="44332E"/>
+                </a:solidFill>
+                <a:latin typeface="Arial" panose="020B0604020202020204"/>
+                <a:ea typeface="Arial" panose="020B0604020202020204"/>
+              </a:rPr>
+              <a:t>runtime</a:t>
+            </a:r>
+            <a:r>
+              <a:rPr lang="zh-CN" altLang="en-US" sz="2500" spc="-405" dirty="0">
+                <a:solidFill>
+                  <a:srgbClr val="44332E"/>
+                </a:solidFill>
+                <a:latin typeface="宋体"/>
+                <a:ea typeface="宋体"/>
+              </a:rPr>
+              <a:t>上下⽂文切换</a:t>
+            </a:r>
+            <a:endParaRPr lang="zh-CN" altLang="en-US" sz="2500" spc="-405" dirty="0">
+              <a:solidFill>
+                <a:srgbClr val="44332E"/>
+              </a:solidFill>
+              <a:latin typeface="宋体"/>
+              <a:ea typeface="宋体"/>
+            </a:endParaRPr>
+          </a:p>
+          <a:p>
+            <a:pPr>
+              <a:lnSpc>
+                <a:spcPts val="1000"/>
+              </a:lnSpc>
+            </a:pPr>
+            <a:endParaRPr lang="en-US" dirty="0"/>
+          </a:p>
+          <a:p>
+            <a:pPr>
+              <a:lnSpc>
+                <a:spcPts val="1000"/>
+              </a:lnSpc>
+            </a:pPr>
+            <a:endParaRPr lang="en-US" dirty="0"/>
+          </a:p>
+          <a:p>
+            <a:pPr>
+              <a:lnSpc>
+                <a:spcPts val="1000"/>
+              </a:lnSpc>
+            </a:pPr>
+            <a:endParaRPr lang="en-US" dirty="0"/>
+          </a:p>
+          <a:p>
+            <a:pPr>
+              <a:lnSpc>
+                <a:spcPts val="1000"/>
+              </a:lnSpc>
+            </a:pPr>
+            <a:endParaRPr lang="en-US" dirty="0"/>
+          </a:p>
+          <a:p>
+            <a:pPr>
+              <a:lnSpc>
+                <a:spcPts val="1000"/>
+              </a:lnSpc>
+            </a:pPr>
+            <a:endParaRPr lang="en-US" dirty="0"/>
+          </a:p>
+          <a:p>
+            <a:pPr>
+              <a:lnSpc>
+                <a:spcPts val="1000"/>
+              </a:lnSpc>
+            </a:pPr>
+            <a:endParaRPr lang="en-US" dirty="0"/>
+          </a:p>
+          <a:p>
+            <a:pPr>
+              <a:lnSpc>
+                <a:spcPts val="1000"/>
+              </a:lnSpc>
+            </a:pPr>
+            <a:endParaRPr lang="en-US" dirty="0"/>
+          </a:p>
+          <a:p>
+            <a:pPr>
+              <a:lnSpc>
+                <a:spcPts val="1000"/>
+              </a:lnSpc>
+            </a:pPr>
+            <a:endParaRPr lang="en-US" dirty="0"/>
+          </a:p>
+          <a:p>
+            <a:pPr>
+              <a:lnSpc>
+                <a:spcPts val="1590"/>
+              </a:lnSpc>
+            </a:pPr>
+            <a:endParaRPr lang="en-US" dirty="0"/>
+          </a:p>
+          <a:p>
+            <a:pPr marL="0">
+              <a:lnSpc>
+                <a:spcPct val="100000"/>
+              </a:lnSpc>
+            </a:pPr>
+            <a:r>
+              <a:rPr lang="zh-CN" altLang="en-US" sz="2500" spc="-250" dirty="0">
+                <a:solidFill>
+                  <a:srgbClr val="3F352E"/>
+                </a:solidFill>
+                <a:latin typeface="宋体"/>
+                <a:ea typeface="宋体"/>
+              </a:rPr>
+              <a:t>使⽤用</a:t>
+            </a:r>
+            <a:r>
+              <a:rPr lang="en-US" altLang="zh-CN" sz="2500" spc="-125" dirty="0">
+                <a:solidFill>
+                  <a:srgbClr val="3F352E"/>
+                </a:solidFill>
+                <a:latin typeface="Arial" panose="020B0604020202020204"/>
+                <a:ea typeface="Arial" panose="020B0604020202020204"/>
+              </a:rPr>
+              <a:t>unsafe</a:t>
+            </a:r>
+            <a:r>
+              <a:rPr lang="zh-CN" altLang="en-US" sz="2500" spc="-260" dirty="0">
+                <a:solidFill>
+                  <a:srgbClr val="3F352E"/>
+                </a:solidFill>
+                <a:latin typeface="宋体"/>
+                <a:ea typeface="宋体"/>
+              </a:rPr>
+              <a:t>装换</a:t>
+            </a:r>
+            <a:r>
+              <a:rPr lang="zh-CN" altLang="en-US" sz="2500" spc="-250" dirty="0">
+                <a:solidFill>
+                  <a:srgbClr val="3F352E"/>
+                </a:solidFill>
+                <a:latin typeface="宋体"/>
+                <a:ea typeface="宋体"/>
+              </a:rPr>
+              <a:t>类型</a:t>
+            </a:r>
+            <a:endParaRPr lang="zh-CN" altLang="en-US" sz="2500" spc="-250" dirty="0">
+              <a:solidFill>
+                <a:srgbClr val="3F352E"/>
+              </a:solidFill>
+              <a:latin typeface="宋体"/>
+              <a:ea typeface="宋体"/>
+            </a:endParaRPr>
+          </a:p>
+          <a:p>
+            <a:pPr>
+              <a:lnSpc>
+                <a:spcPts val="1590"/>
+              </a:lnSpc>
+            </a:pPr>
+            <a:endParaRPr lang="en-US" dirty="0"/>
+          </a:p>
+          <a:p>
+            <a:pPr marL="0">
+              <a:lnSpc>
+                <a:spcPct val="100000"/>
+              </a:lnSpc>
+            </a:pPr>
+            <a:r>
+              <a:rPr lang="zh-CN" altLang="en-US" sz="2500" spc="-190" dirty="0">
+                <a:solidFill>
+                  <a:srgbClr val="3F352E"/>
+                </a:solidFill>
+                <a:latin typeface="宋体"/>
+                <a:ea typeface="宋体"/>
+              </a:rPr>
+              <a:t>不不要总是</a:t>
+            </a:r>
+            <a:r>
+              <a:rPr lang="en-US" altLang="zh-CN" sz="2500" spc="-75" dirty="0">
+                <a:solidFill>
+                  <a:srgbClr val="3F352E"/>
+                </a:solidFill>
+                <a:latin typeface="Arial" panose="020B0604020202020204"/>
+                <a:ea typeface="Arial" panose="020B0604020202020204"/>
+              </a:rPr>
+              <a:t>[]byte</a:t>
+            </a:r>
+            <a:r>
+              <a:rPr lang="zh-CN" altLang="en-US" sz="2500" spc="-190" dirty="0">
+                <a:solidFill>
+                  <a:srgbClr val="3F352E"/>
+                </a:solidFill>
+                <a:latin typeface="宋体"/>
+                <a:ea typeface="宋体"/>
+              </a:rPr>
+              <a:t>、</a:t>
+            </a:r>
+            <a:r>
+              <a:rPr lang="en-US" altLang="zh-CN" sz="2500" spc="-80" dirty="0">
+                <a:solidFill>
+                  <a:srgbClr val="3F352E"/>
+                </a:solidFill>
+                <a:latin typeface="Arial" panose="020B0604020202020204"/>
+                <a:ea typeface="Arial" panose="020B0604020202020204"/>
+              </a:rPr>
+              <a:t>String</a:t>
+            </a:r>
+            <a:r>
+              <a:rPr lang="zh-CN" altLang="en-US" sz="2500" spc="-195" dirty="0">
+                <a:solidFill>
+                  <a:srgbClr val="3F352E"/>
+                </a:solidFill>
+                <a:latin typeface="宋体"/>
+                <a:ea typeface="宋体"/>
+              </a:rPr>
+              <a:t>转换</a:t>
+            </a:r>
+            <a:r>
+              <a:rPr lang="en-US" altLang="zh-CN" sz="2500" spc="-50" dirty="0">
+                <a:solidFill>
+                  <a:srgbClr val="3F352E"/>
+                </a:solidFill>
+                <a:latin typeface="Arial" panose="020B0604020202020204"/>
+                <a:ea typeface="Arial" panose="020B0604020202020204"/>
+              </a:rPr>
+              <a:t>.</a:t>
+            </a:r>
+            <a:endParaRPr lang="en-US" altLang="zh-CN" sz="2500" spc="-50" dirty="0">
+              <a:solidFill>
+                <a:srgbClr val="3F352E"/>
+              </a:solidFill>
+              <a:latin typeface="Arial" panose="020B0604020202020204"/>
+              <a:ea typeface="Arial" panose="020B0604020202020204"/>
+            </a:endParaRPr>
+          </a:p>
+        </p:txBody>
+      </p:sp>
+    </p:spTree>
+  </p:cSld>
+  <p:clrMapOvr>
+    <a:masterClrMapping/>
+  </p:clrMapOvr>
+</p:sld>
+</file>
+
+<file path=ppt/slides/slide11.xml><?xml version="1.0" encoding="utf-8"?>
+<p:sld xmlns:a="http://schemas.openxmlformats.org/drawingml/2006/main" xmlns:r="http://schemas.openxmlformats.org/officeDocument/2006/relationships" xmlns:p="http://schemas.openxmlformats.org/presentationml/2006/main">
+  <p:cSld>
+    <p:spTree>
+      <p:nvGrpSpPr>
+        <p:cNvPr id="1" name=""/>
+        <p:cNvGrpSpPr/>
+        <p:nvPr/>
+      </p:nvGrpSpPr>
+      <p:grpSpPr>
+        <a:xfrm>
+          <a:off x="0" y="0"/>
+          <a:ext cx="0" cy="0"/>
+          <a:chOff x="0" y="0"/>
+          <a:chExt cx="0" cy="0"/>
+        </a:xfrm>
+      </p:grpSpPr>
+      <p:pic>
+        <p:nvPicPr>
           <p:cNvPr id="246" name="Picture 246"/>
           <p:cNvPicPr>
             <a:picLocks noChangeAspect="1"/>
@@ -5210,7 +6143,7 @@
 </p:sld>
 </file>
 
-<file path=ppt/slides/slide11.xml><?xml version="1.0" encoding="utf-8"?>
+<file path=ppt/slides/slide12.xml><?xml version="1.0" encoding="utf-8"?>
 <p:sld xmlns:a="http://schemas.openxmlformats.org/drawingml/2006/main" xmlns:r="http://schemas.openxmlformats.org/officeDocument/2006/relationships" xmlns:p="http://schemas.openxmlformats.org/presentationml/2006/main">
   <p:cSld>
     <p:spTree>
@@ -6053,7 +6986,7 @@
 </p:sld>
 </file>
 
-<file path=ppt/slides/slide12.xml><?xml version="1.0" encoding="utf-8"?>
+<file path=ppt/slides/slide13.xml><?xml version="1.0" encoding="utf-8"?>
 <p:sld xmlns:a="http://schemas.openxmlformats.org/drawingml/2006/main" xmlns:r="http://schemas.openxmlformats.org/officeDocument/2006/relationships" xmlns:p="http://schemas.openxmlformats.org/presentationml/2006/main">
   <p:cSld>
     <p:spTree>
@@ -8182,7 +9115,7 @@
 </p:sld>
 </file>
 
-<file path=ppt/slides/slide13.xml><?xml version="1.0" encoding="utf-8"?>
+<file path=ppt/slides/slide14.xml><?xml version="1.0" encoding="utf-8"?>
 <p:sld xmlns:a="http://schemas.openxmlformats.org/drawingml/2006/main" xmlns:r="http://schemas.openxmlformats.org/officeDocument/2006/relationships" xmlns:p="http://schemas.openxmlformats.org/presentationml/2006/main">
   <p:cSld>
     <p:spTree>
@@ -10311,7 +11244,7 @@
 </p:sld>
 </file>
 
-<file path=ppt/slides/slide14.xml><?xml version="1.0" encoding="utf-8"?>
+<file path=ppt/slides/slide15.xml><?xml version="1.0" encoding="utf-8"?>
 <p:sld xmlns:a="http://schemas.openxmlformats.org/drawingml/2006/main" xmlns:r="http://schemas.openxmlformats.org/officeDocument/2006/relationships" xmlns:p="http://schemas.openxmlformats.org/presentationml/2006/main">
   <p:cSld>
     <p:spTree>
@@ -12440,7 +13373,7 @@
 </p:sld>
 </file>
 
-<file path=ppt/slides/slide15.xml><?xml version="1.0" encoding="utf-8"?>
+<file path=ppt/slides/slide16.xml><?xml version="1.0" encoding="utf-8"?>
 <p:sld xmlns:a="http://schemas.openxmlformats.org/drawingml/2006/main" xmlns:r="http://schemas.openxmlformats.org/officeDocument/2006/relationships" xmlns:p="http://schemas.openxmlformats.org/presentationml/2006/main">
   <p:cSld>
     <p:spTree>
@@ -21316,29 +22249,64 @@
       </p:sp>
       <p:pic>
         <p:nvPicPr>
-          <p:cNvPr id="8" name="图片 7"/>
+          <p:cNvPr id="3" name="图片 2"/>
           <p:cNvPicPr>
             <a:picLocks noChangeAspect="1"/>
           </p:cNvPicPr>
           <p:nvPr/>
         </p:nvPicPr>
-        <p:blipFill rotWithShape="1">
+        <p:blipFill>
           <a:blip r:embed="rId2"/>
-          <a:srcRect l="8820" t="10309" r="8856" b="10103"/>
+          <a:srcRect l="7162" t="9370" r="8191" b="9389"/>
           <a:stretch>
             <a:fillRect/>
           </a:stretch>
         </p:blipFill>
         <p:spPr>
           <a:xfrm>
-            <a:off x="463782" y="1429305"/>
-            <a:ext cx="5806830" cy="4837633"/>
+            <a:off x="3259455" y="1292860"/>
+            <a:ext cx="6686550" cy="5571490"/>
           </a:xfrm>
           <a:prstGeom prst="rect">
             <a:avLst/>
           </a:prstGeom>
         </p:spPr>
       </p:pic>
+      <p:sp>
+        <p:nvSpPr>
+          <p:cNvPr id="5" name="文本框 4"/>
+          <p:cNvSpPr txBox="1"/>
+          <p:nvPr/>
+        </p:nvSpPr>
+        <p:spPr>
+          <a:xfrm>
+            <a:off x="0" y="1203960"/>
+            <a:ext cx="3475990" cy="368300"/>
+          </a:xfrm>
+          <a:prstGeom prst="rect">
+            <a:avLst/>
+          </a:prstGeom>
+          <a:noFill/>
+        </p:spPr>
+        <p:txBody>
+          <a:bodyPr wrap="square" rtlCol="0">
+            <a:spAutoFit/>
+          </a:bodyPr>
+          <a:p>
+            <a:r>
+              <a:rPr lang="zh-CN" altLang="en-US">
+                <a:latin typeface="Yuanti SC Regular" panose="02010600040101010101" charset="-122"/>
+                <a:ea typeface="Yuanti SC Regular" panose="02010600040101010101" charset="-122"/>
+              </a:rPr>
+              <a:t>对单个函数或功能进行分析：</a:t>
+            </a:r>
+            <a:endParaRPr lang="zh-CN" altLang="en-US">
+              <a:latin typeface="Yuanti SC Regular" panose="02010600040101010101" charset="-122"/>
+              <a:ea typeface="Yuanti SC Regular" panose="02010600040101010101" charset="-122"/>
+            </a:endParaRPr>
+          </a:p>
+        </p:txBody>
+      </p:sp>
     </p:spTree>
   </p:cSld>
   <p:clrMapOvr>
@@ -21548,25 +22516,49 @@
           </a:p>
         </p:txBody>
       </p:sp>
+    </p:spTree>
+  </p:cSld>
+  <p:clrMapOvr>
+    <a:masterClrMapping/>
+  </p:clrMapOvr>
+</p:sld>
+</file>
+
+<file path=ppt/slides/slide7.xml><?xml version="1.0" encoding="utf-8"?>
+<p:sld xmlns:a="http://schemas.openxmlformats.org/drawingml/2006/main" xmlns:r="http://schemas.openxmlformats.org/officeDocument/2006/relationships" xmlns:p="http://schemas.openxmlformats.org/presentationml/2006/main">
+  <p:cSld>
+    <p:spTree>
+      <p:nvGrpSpPr>
+        <p:cNvPr id="1" name=""/>
+        <p:cNvGrpSpPr/>
+        <p:nvPr/>
+      </p:nvGrpSpPr>
+      <p:grpSpPr>
+        <a:xfrm>
+          <a:off x="0" y="0"/>
+          <a:ext cx="0" cy="0"/>
+          <a:chOff x="0" y="0"/>
+          <a:chExt cx="0" cy="0"/>
+        </a:xfrm>
+      </p:grpSpPr>
       <p:pic>
         <p:nvPicPr>
-          <p:cNvPr id="5" name="图片 4"/>
+          <p:cNvPr id="60" name="Picture 60"/>
           <p:cNvPicPr>
             <a:picLocks noChangeAspect="1"/>
           </p:cNvPicPr>
           <p:nvPr/>
         </p:nvPicPr>
         <p:blipFill>
-          <a:blip r:embed="rId2"/>
-          <a:srcRect l="10557" t="15486" r="10537" b="15600"/>
+          <a:blip r:embed="rId1"/>
           <a:stretch>
             <a:fillRect/>
           </a:stretch>
         </p:blipFill>
         <p:spPr>
           <a:xfrm>
-            <a:off x="363855" y="1607820"/>
-            <a:ext cx="6153785" cy="3641725"/>
+            <a:off x="0" y="0"/>
+            <a:ext cx="12198350" cy="6864350"/>
           </a:xfrm>
           <a:prstGeom prst="rect">
             <a:avLst/>
@@ -21575,13 +22567,168 @@
       </p:pic>
       <p:sp>
         <p:nvSpPr>
+          <p:cNvPr id="2" name="Freeform 60"/>
+          <p:cNvSpPr/>
+          <p:nvPr/>
+        </p:nvSpPr>
+        <p:spPr>
+          <a:xfrm>
+            <a:off x="4197566" y="438592"/>
+            <a:ext cx="460375" cy="660400"/>
+          </a:xfrm>
+          <a:custGeom>
+            <a:avLst/>
+            <a:gdLst>
+              <a:gd name="connsiteX0" fmla="*/ 454025 w 460375"/>
+              <a:gd name="connsiteY0" fmla="*/ 330200 h 660400"/>
+              <a:gd name="connsiteX1" fmla="*/ 6350 w 460375"/>
+              <a:gd name="connsiteY1" fmla="*/ 654050 h 660400"/>
+              <a:gd name="connsiteX2" fmla="*/ 6350 w 460375"/>
+              <a:gd name="connsiteY2" fmla="*/ 6350 h 660400"/>
+              <a:gd name="connsiteX3" fmla="*/ 454025 w 460375"/>
+              <a:gd name="connsiteY3" fmla="*/ 330200 h 660400"/>
+            </a:gdLst>
+            <a:ahLst/>
+            <a:cxnLst>
+              <a:cxn ang="0">
+                <a:pos x="connsiteX0" y="connsiteY0"/>
+              </a:cxn>
+              <a:cxn ang="0">
+                <a:pos x="connsiteX1" y="connsiteY1"/>
+              </a:cxn>
+              <a:cxn ang="0">
+                <a:pos x="connsiteX2" y="connsiteY2"/>
+              </a:cxn>
+              <a:cxn ang="0">
+                <a:pos x="connsiteX3" y="connsiteY3"/>
+              </a:cxn>
+            </a:cxnLst>
+            <a:rect l="l" t="t" r="r" b="b"/>
+            <a:pathLst>
+              <a:path w="460375" h="660400">
+                <a:moveTo>
+                  <a:pt x="454025" y="330200"/>
+                </a:moveTo>
+                <a:lnTo>
+                  <a:pt x="6350" y="654050"/>
+                </a:lnTo>
+                <a:lnTo>
+                  <a:pt x="6350" y="6350"/>
+                </a:lnTo>
+                <a:lnTo>
+                  <a:pt x="454025" y="330200"/>
+                </a:lnTo>
+                <a:close/>
+              </a:path>
+            </a:pathLst>
+          </a:custGeom>
+          <a:solidFill>
+            <a:srgbClr val="FFC000">
+              <a:alpha val="100000"/>
+            </a:srgbClr>
+          </a:solidFill>
+          <a:ln w="20">
+            <a:solidFill>
+              <a:srgbClr val="32538F">
+                <a:alpha val="100000"/>
+              </a:srgbClr>
+            </a:solidFill>
+          </a:ln>
+          <a:effectLst/>
+        </p:spPr>
+        <p:style>
+          <a:lnRef idx="2">
+            <a:schemeClr val="accent1"/>
+          </a:lnRef>
+          <a:fillRef idx="0">
+            <a:schemeClr val="accent1"/>
+          </a:fillRef>
+          <a:effectRef idx="1">
+            <a:schemeClr val="accent1"/>
+          </a:effectRef>
+          <a:fontRef idx="minor">
+            <a:schemeClr val="tx1"/>
+          </a:fontRef>
+        </p:style>
+        <p:txBody>
+          <a:bodyPr rtlCol="0" anchor="ctr"/>
+          <a:lstStyle/>
+          <a:p>
+            <a:pPr algn="ctr"/>
+            <a:endParaRPr lang="en-US"/>
+          </a:p>
+        </p:txBody>
+      </p:sp>
+      <p:sp>
+        <p:nvSpPr>
+          <p:cNvPr id="4" name="TextBox 100"/>
+          <p:cNvSpPr txBox="1"/>
+          <p:nvPr/>
+        </p:nvSpPr>
+        <p:spPr>
+          <a:xfrm>
+            <a:off x="5726430" y="560705"/>
+            <a:ext cx="3176905" cy="506730"/>
+          </a:xfrm>
+          <a:prstGeom prst="rect">
+            <a:avLst/>
+          </a:prstGeom>
+          <a:noFill/>
+        </p:spPr>
+        <p:txBody>
+          <a:bodyPr wrap="square" lIns="0" tIns="0" rIns="0" bIns="0" rtlCol="0">
+            <a:spAutoFit/>
+          </a:bodyPr>
+          <a:lstStyle/>
+          <a:p>
+            <a:pPr marL="0">
+              <a:lnSpc>
+                <a:spcPct val="103000"/>
+              </a:lnSpc>
+              <a:tabLst>
+                <a:tab pos="685800" algn="l"/>
+              </a:tabLst>
+            </a:pPr>
+            <a:r>
+              <a:rPr lang="en-US" altLang="zh-CN" sz="3200" spc="-5" dirty="0">
+                <a:solidFill>
+                  <a:srgbClr val="333F4F"/>
+                </a:solidFill>
+                <a:ea typeface="宋体"/>
+                <a:sym typeface="+mn-ea"/>
+              </a:rPr>
+              <a:t>Web </a:t>
+            </a:r>
+            <a:r>
+              <a:rPr lang="zh-CN" altLang="en-US" sz="2800" spc="-5" dirty="0">
+                <a:solidFill>
+                  <a:srgbClr val="333F4F"/>
+                </a:solidFill>
+                <a:latin typeface="宋体"/>
+                <a:ea typeface="宋体"/>
+                <a:sym typeface="+mn-ea"/>
+              </a:rPr>
+              <a:t>界面</a:t>
+            </a:r>
+            <a:endParaRPr lang="zh-CN" altLang="en-US" sz="3200" dirty="0">
+              <a:solidFill>
+                <a:srgbClr val="333F4F"/>
+              </a:solidFill>
+              <a:latin typeface="宋体"/>
+              <a:ea typeface="宋体"/>
+            </a:endParaRPr>
+          </a:p>
+        </p:txBody>
+      </p:sp>
+      <p:sp>
+        <p:nvSpPr>
           <p:cNvPr id="6" name="文本框 5"/>
           <p:cNvSpPr txBox="1"/>
           <p:nvPr/>
         </p:nvSpPr>
         <p:spPr>
           <a:xfrm>
-            <a:off x="3161665" y="5922645"/>
+            <a:off x="2984500" y="5972810"/>
             <a:ext cx="6508115" cy="521970"/>
           </a:xfrm>
           <a:prstGeom prst="rect">
@@ -21615,6 +22762,31 @@
           </a:p>
         </p:txBody>
       </p:sp>
+      <p:pic>
+        <p:nvPicPr>
+          <p:cNvPr id="10" name="图片 9"/>
+          <p:cNvPicPr>
+            <a:picLocks noChangeAspect="1"/>
+          </p:cNvPicPr>
+          <p:nvPr/>
+        </p:nvPicPr>
+        <p:blipFill>
+          <a:blip r:embed="rId2"/>
+          <a:srcRect l="10230" t="15335" r="9763" b="14400"/>
+          <a:stretch>
+            <a:fillRect/>
+          </a:stretch>
+        </p:blipFill>
+        <p:spPr>
+          <a:xfrm>
+            <a:off x="2226310" y="1290955"/>
+            <a:ext cx="7940675" cy="4725035"/>
+          </a:xfrm>
+          <a:prstGeom prst="rect">
+            <a:avLst/>
+          </a:prstGeom>
+        </p:spPr>
+      </p:pic>
     </p:spTree>
   </p:cSld>
   <p:clrMapOvr>
@@ -21623,7 +22795,7 @@
 </p:sld>
 </file>
 
-<file path=ppt/slides/slide7.xml><?xml version="1.0" encoding="utf-8"?>
+<file path=ppt/slides/slide8.xml><?xml version="1.0" encoding="utf-8"?>
 <p:sld xmlns:a="http://schemas.openxmlformats.org/drawingml/2006/main" xmlns:r="http://schemas.openxmlformats.org/officeDocument/2006/relationships" xmlns:p="http://schemas.openxmlformats.org/presentationml/2006/main">
   <p:cSld>
     <p:spTree>
@@ -23752,7 +24924,7 @@
 </p:sld>
 </file>
 
-<file path=ppt/slides/slide8.xml><?xml version="1.0" encoding="utf-8"?>
+<file path=ppt/slides/slide9.xml><?xml version="1.0" encoding="utf-8"?>
 <p:sld xmlns:a="http://schemas.openxmlformats.org/drawingml/2006/main" xmlns:r="http://schemas.openxmlformats.org/officeDocument/2006/relationships" xmlns:p="http://schemas.openxmlformats.org/presentationml/2006/main">
   <p:cSld>
     <p:spTree>
@@ -26917,938 +28089,6 @@
             <a:endParaRPr lang="en-US" altLang="zh-CN" sz="2400" spc="-145" dirty="0">
               <a:solidFill>
                 <a:srgbClr val="3C1B1E"/>
-              </a:solidFill>
-              <a:latin typeface="Arial" panose="020B0604020202020204"/>
-              <a:ea typeface="Arial" panose="020B0604020202020204"/>
-            </a:endParaRPr>
-          </a:p>
-        </p:txBody>
-      </p:sp>
-    </p:spTree>
-  </p:cSld>
-  <p:clrMapOvr>
-    <a:masterClrMapping/>
-  </p:clrMapOvr>
-</p:sld>
-</file>
-
-<file path=ppt/slides/slide9.xml><?xml version="1.0" encoding="utf-8"?>
-<p:sld xmlns:a="http://schemas.openxmlformats.org/drawingml/2006/main" xmlns:r="http://schemas.openxmlformats.org/officeDocument/2006/relationships" xmlns:p="http://schemas.openxmlformats.org/presentationml/2006/main">
-  <p:cSld>
-    <p:spTree>
-      <p:nvGrpSpPr>
-        <p:cNvPr id="1" name=""/>
-        <p:cNvGrpSpPr/>
-        <p:nvPr/>
-      </p:nvGrpSpPr>
-      <p:grpSpPr>
-        <a:xfrm>
-          <a:off x="0" y="0"/>
-          <a:ext cx="0" cy="0"/>
-          <a:chOff x="0" y="0"/>
-          <a:chExt cx="0" cy="0"/>
-        </a:xfrm>
-      </p:grpSpPr>
-      <p:pic>
-        <p:nvPicPr>
-          <p:cNvPr id="238" name="Picture 238"/>
-          <p:cNvPicPr>
-            <a:picLocks noChangeAspect="1"/>
-          </p:cNvPicPr>
-          <p:nvPr/>
-        </p:nvPicPr>
-        <p:blipFill>
-          <a:blip r:embed="rId1"/>
-          <a:stretch>
-            <a:fillRect/>
-          </a:stretch>
-        </p:blipFill>
-        <p:spPr>
-          <a:xfrm>
-            <a:off x="0" y="0"/>
-            <a:ext cx="12198350" cy="6864350"/>
-          </a:xfrm>
-          <a:prstGeom prst="rect">
-            <a:avLst/>
-          </a:prstGeom>
-        </p:spPr>
-      </p:pic>
-      <p:sp>
-        <p:nvSpPr>
-          <p:cNvPr id="2" name="Freeform 238"/>
-          <p:cNvSpPr/>
-          <p:nvPr/>
-        </p:nvSpPr>
-        <p:spPr>
-          <a:xfrm>
-            <a:off x="4197566" y="438592"/>
-            <a:ext cx="460375" cy="660400"/>
-          </a:xfrm>
-          <a:custGeom>
-            <a:avLst/>
-            <a:gdLst>
-              <a:gd name="connsiteX0" fmla="*/ 454025 w 460375"/>
-              <a:gd name="connsiteY0" fmla="*/ 330200 h 660400"/>
-              <a:gd name="connsiteX1" fmla="*/ 6350 w 460375"/>
-              <a:gd name="connsiteY1" fmla="*/ 654050 h 660400"/>
-              <a:gd name="connsiteX2" fmla="*/ 6350 w 460375"/>
-              <a:gd name="connsiteY2" fmla="*/ 6350 h 660400"/>
-              <a:gd name="connsiteX3" fmla="*/ 454025 w 460375"/>
-              <a:gd name="connsiteY3" fmla="*/ 330200 h 660400"/>
-            </a:gdLst>
-            <a:ahLst/>
-            <a:cxnLst>
-              <a:cxn ang="0">
-                <a:pos x="connsiteX0" y="connsiteY0"/>
-              </a:cxn>
-              <a:cxn ang="0">
-                <a:pos x="connsiteX1" y="connsiteY1"/>
-              </a:cxn>
-              <a:cxn ang="0">
-                <a:pos x="connsiteX2" y="connsiteY2"/>
-              </a:cxn>
-              <a:cxn ang="0">
-                <a:pos x="connsiteX3" y="connsiteY3"/>
-              </a:cxn>
-            </a:cxnLst>
-            <a:rect l="l" t="t" r="r" b="b"/>
-            <a:pathLst>
-              <a:path w="460375" h="660400">
-                <a:moveTo>
-                  <a:pt x="454025" y="330200"/>
-                </a:moveTo>
-                <a:lnTo>
-                  <a:pt x="6350" y="654050"/>
-                </a:lnTo>
-                <a:lnTo>
-                  <a:pt x="6350" y="6350"/>
-                </a:lnTo>
-                <a:lnTo>
-                  <a:pt x="454025" y="330200"/>
-                </a:lnTo>
-                <a:close/>
-              </a:path>
-            </a:pathLst>
-          </a:custGeom>
-          <a:solidFill>
-            <a:srgbClr val="FFC000">
-              <a:alpha val="100000"/>
-            </a:srgbClr>
-          </a:solidFill>
-          <a:ln w="20">
-            <a:solidFill>
-              <a:srgbClr val="32538F">
-                <a:alpha val="100000"/>
-              </a:srgbClr>
-            </a:solidFill>
-          </a:ln>
-          <a:effectLst/>
-        </p:spPr>
-        <p:style>
-          <a:lnRef idx="2">
-            <a:schemeClr val="accent1"/>
-          </a:lnRef>
-          <a:fillRef idx="0">
-            <a:schemeClr val="accent1"/>
-          </a:fillRef>
-          <a:effectRef idx="1">
-            <a:schemeClr val="accent1"/>
-          </a:effectRef>
-          <a:fontRef idx="minor">
-            <a:schemeClr val="tx1"/>
-          </a:fontRef>
-        </p:style>
-        <p:txBody>
-          <a:bodyPr rtlCol="0" anchor="ctr"/>
-          <a:lstStyle/>
-          <a:p>
-            <a:pPr algn="ctr"/>
-            <a:endParaRPr lang="en-US"/>
-          </a:p>
-        </p:txBody>
-      </p:sp>
-      <p:pic>
-        <p:nvPicPr>
-          <p:cNvPr id="240" name="Picture 240"/>
-          <p:cNvPicPr>
-            <a:picLocks noChangeAspect="1"/>
-          </p:cNvPicPr>
-          <p:nvPr/>
-        </p:nvPicPr>
-        <p:blipFill>
-          <a:blip r:embed="rId2"/>
-          <a:stretch>
-            <a:fillRect/>
-          </a:stretch>
-        </p:blipFill>
-        <p:spPr>
-          <a:xfrm>
-            <a:off x="7708900" y="4597400"/>
-            <a:ext cx="4324350" cy="2266950"/>
-          </a:xfrm>
-          <a:prstGeom prst="rect">
-            <a:avLst/>
-          </a:prstGeom>
-        </p:spPr>
-      </p:pic>
-      <p:pic>
-        <p:nvPicPr>
-          <p:cNvPr id="241" name="Picture 241"/>
-          <p:cNvPicPr>
-            <a:picLocks noChangeAspect="1"/>
-          </p:cNvPicPr>
-          <p:nvPr/>
-        </p:nvPicPr>
-        <p:blipFill>
-          <a:blip r:embed="rId3"/>
-          <a:stretch>
-            <a:fillRect/>
-          </a:stretch>
-        </p:blipFill>
-        <p:spPr>
-          <a:xfrm>
-            <a:off x="1759889" y="4920526"/>
-            <a:ext cx="428574" cy="502208"/>
-          </a:xfrm>
-          <a:prstGeom prst="rect">
-            <a:avLst/>
-          </a:prstGeom>
-        </p:spPr>
-      </p:pic>
-      <p:sp>
-        <p:nvSpPr>
-          <p:cNvPr id="3" name="Freeform 241"/>
-          <p:cNvSpPr/>
-          <p:nvPr/>
-        </p:nvSpPr>
-        <p:spPr>
-          <a:xfrm>
-            <a:off x="1740839" y="4901476"/>
-            <a:ext cx="466667" cy="540308"/>
-          </a:xfrm>
-          <a:custGeom>
-            <a:avLst/>
-            <a:gdLst>
-              <a:gd name="connsiteX0" fmla="*/ 19050 w 466667"/>
-              <a:gd name="connsiteY0" fmla="*/ 272921 h 540308"/>
-              <a:gd name="connsiteX1" fmla="*/ 244842 w 466667"/>
-              <a:gd name="connsiteY1" fmla="*/ 19050 h 540308"/>
-              <a:gd name="connsiteX2" fmla="*/ 447617 w 466667"/>
-              <a:gd name="connsiteY2" fmla="*/ 325420 h 540308"/>
-              <a:gd name="connsiteX3" fmla="*/ 256388 w 466667"/>
-              <a:gd name="connsiteY3" fmla="*/ 521258 h 540308"/>
-              <a:gd name="connsiteX4" fmla="*/ 19050 w 466667"/>
-              <a:gd name="connsiteY4" fmla="*/ 298496 h 540308"/>
-            </a:gdLst>
-            <a:ahLst/>
-            <a:cxnLst>
-              <a:cxn ang="0">
-                <a:pos x="connsiteX0" y="connsiteY0"/>
-              </a:cxn>
-              <a:cxn ang="0">
-                <a:pos x="connsiteX1" y="connsiteY1"/>
-              </a:cxn>
-              <a:cxn ang="0">
-                <a:pos x="connsiteX2" y="connsiteY2"/>
-              </a:cxn>
-              <a:cxn ang="0">
-                <a:pos x="connsiteX3" y="connsiteY3"/>
-              </a:cxn>
-              <a:cxn ang="0">
-                <a:pos x="connsiteX4" y="connsiteY4"/>
-              </a:cxn>
-            </a:cxnLst>
-            <a:rect l="l" t="t" r="r" b="b"/>
-            <a:pathLst>
-              <a:path w="466667" h="540308">
-                <a:moveTo>
-                  <a:pt x="19050" y="272921"/>
-                </a:moveTo>
-                <a:cubicBezTo>
-                  <a:pt x="125160" y="294427"/>
-                  <a:pt x="192937" y="109889"/>
-                  <a:pt x="244842" y="19050"/>
-                </a:cubicBezTo>
-                <a:cubicBezTo>
-                  <a:pt x="244762" y="156971"/>
-                  <a:pt x="349384" y="239672"/>
-                  <a:pt x="447617" y="325420"/>
-                </a:cubicBezTo>
-                <a:cubicBezTo>
-                  <a:pt x="347301" y="341137"/>
-                  <a:pt x="290238" y="422560"/>
-                  <a:pt x="256388" y="521258"/>
-                </a:cubicBezTo>
-                <a:cubicBezTo>
-                  <a:pt x="231687" y="399310"/>
-                  <a:pt x="137342" y="327350"/>
-                  <a:pt x="19050" y="298496"/>
-                </a:cubicBezTo>
-              </a:path>
-            </a:pathLst>
-          </a:custGeom>
-          <a:ln w="60">
-            <a:solidFill>
-              <a:srgbClr val="46537A">
-                <a:alpha val="100000"/>
-              </a:srgbClr>
-            </a:solidFill>
-          </a:ln>
-          <a:effectLst/>
-        </p:spPr>
-        <p:style>
-          <a:lnRef idx="2">
-            <a:schemeClr val="accent1"/>
-          </a:lnRef>
-          <a:fillRef idx="0">
-            <a:schemeClr val="accent1"/>
-          </a:fillRef>
-          <a:effectRef idx="1">
-            <a:schemeClr val="accent1"/>
-          </a:effectRef>
-          <a:fontRef idx="minor">
-            <a:schemeClr val="tx1"/>
-          </a:fontRef>
-        </p:style>
-        <p:txBody>
-          <a:bodyPr rtlCol="0" anchor="ctr"/>
-          <a:lstStyle/>
-          <a:p>
-            <a:pPr algn="ctr"/>
-            <a:endParaRPr lang="en-US"/>
-          </a:p>
-        </p:txBody>
-      </p:sp>
-      <p:pic>
-        <p:nvPicPr>
-          <p:cNvPr id="243" name="Picture 243"/>
-          <p:cNvPicPr>
-            <a:picLocks noChangeAspect="1"/>
-          </p:cNvPicPr>
-          <p:nvPr/>
-        </p:nvPicPr>
-        <p:blipFill>
-          <a:blip r:embed="rId4"/>
-          <a:stretch>
-            <a:fillRect/>
-          </a:stretch>
-        </p:blipFill>
-        <p:spPr>
-          <a:xfrm>
-            <a:off x="1762785" y="2179853"/>
-            <a:ext cx="422986" cy="498475"/>
-          </a:xfrm>
-          <a:prstGeom prst="rect">
-            <a:avLst/>
-          </a:prstGeom>
-        </p:spPr>
-      </p:pic>
-      <p:sp>
-        <p:nvSpPr>
-          <p:cNvPr id="4" name="Freeform 243"/>
-          <p:cNvSpPr/>
-          <p:nvPr/>
-        </p:nvSpPr>
-        <p:spPr>
-          <a:xfrm>
-            <a:off x="1743735" y="2160803"/>
-            <a:ext cx="461090" cy="536569"/>
-          </a:xfrm>
-          <a:custGeom>
-            <a:avLst/>
-            <a:gdLst>
-              <a:gd name="connsiteX0" fmla="*/ 19050 w 461090"/>
-              <a:gd name="connsiteY0" fmla="*/ 271030 h 536569"/>
-              <a:gd name="connsiteX1" fmla="*/ 241903 w 461090"/>
-              <a:gd name="connsiteY1" fmla="*/ 19050 h 536569"/>
-              <a:gd name="connsiteX2" fmla="*/ 442040 w 461090"/>
-              <a:gd name="connsiteY2" fmla="*/ 323139 h 536569"/>
-              <a:gd name="connsiteX3" fmla="*/ 253300 w 461090"/>
-              <a:gd name="connsiteY3" fmla="*/ 517519 h 536569"/>
-              <a:gd name="connsiteX4" fmla="*/ 19050 w 461090"/>
-              <a:gd name="connsiteY4" fmla="*/ 296416 h 536569"/>
-            </a:gdLst>
-            <a:ahLst/>
-            <a:cxnLst>
-              <a:cxn ang="0">
-                <a:pos x="connsiteX0" y="connsiteY0"/>
-              </a:cxn>
-              <a:cxn ang="0">
-                <a:pos x="connsiteX1" y="connsiteY1"/>
-              </a:cxn>
-              <a:cxn ang="0">
-                <a:pos x="connsiteX2" y="connsiteY2"/>
-              </a:cxn>
-              <a:cxn ang="0">
-                <a:pos x="connsiteX3" y="connsiteY3"/>
-              </a:cxn>
-              <a:cxn ang="0">
-                <a:pos x="connsiteX4" y="connsiteY4"/>
-              </a:cxn>
-            </a:cxnLst>
-            <a:rect l="l" t="t" r="r" b="b"/>
-            <a:pathLst>
-              <a:path w="461090" h="536569">
-                <a:moveTo>
-                  <a:pt x="19050" y="271030"/>
-                </a:moveTo>
-                <a:cubicBezTo>
-                  <a:pt x="123779" y="292378"/>
-                  <a:pt x="190674" y="109213"/>
-                  <a:pt x="241903" y="19050"/>
-                </a:cubicBezTo>
-                <a:cubicBezTo>
-                  <a:pt x="241824" y="155944"/>
-                  <a:pt x="345085" y="238031"/>
-                  <a:pt x="442040" y="323139"/>
-                </a:cubicBezTo>
-                <a:cubicBezTo>
-                  <a:pt x="343029" y="338739"/>
-                  <a:pt x="286708" y="419557"/>
-                  <a:pt x="253300" y="517519"/>
-                </a:cubicBezTo>
-                <a:cubicBezTo>
-                  <a:pt x="228920" y="396480"/>
-                  <a:pt x="135803" y="325055"/>
-                  <a:pt x="19050" y="296416"/>
-                </a:cubicBezTo>
-              </a:path>
-            </a:pathLst>
-          </a:custGeom>
-          <a:ln w="60">
-            <a:solidFill>
-              <a:srgbClr val="46537A">
-                <a:alpha val="100000"/>
-              </a:srgbClr>
-            </a:solidFill>
-          </a:ln>
-          <a:effectLst/>
-        </p:spPr>
-        <p:style>
-          <a:lnRef idx="2">
-            <a:schemeClr val="accent1"/>
-          </a:lnRef>
-          <a:fillRef idx="0">
-            <a:schemeClr val="accent1"/>
-          </a:fillRef>
-          <a:effectRef idx="1">
-            <a:schemeClr val="accent1"/>
-          </a:effectRef>
-          <a:fontRef idx="minor">
-            <a:schemeClr val="tx1"/>
-          </a:fontRef>
-        </p:style>
-        <p:txBody>
-          <a:bodyPr rtlCol="0" anchor="ctr"/>
-          <a:lstStyle/>
-          <a:p>
-            <a:pPr algn="ctr"/>
-            <a:endParaRPr lang="en-US"/>
-          </a:p>
-        </p:txBody>
-      </p:sp>
-      <p:sp>
-        <p:nvSpPr>
-          <p:cNvPr id="244" name="TextBox 244"/>
-          <p:cNvSpPr txBox="1"/>
-          <p:nvPr/>
-        </p:nvSpPr>
-        <p:spPr>
-          <a:xfrm>
-            <a:off x="2641600" y="560425"/>
-            <a:ext cx="5057813" cy="5329834"/>
-          </a:xfrm>
-          <a:prstGeom prst="rect">
-            <a:avLst/>
-          </a:prstGeom>
-          <a:noFill/>
-        </p:spPr>
-        <p:txBody>
-          <a:bodyPr wrap="square" lIns="0" tIns="0" rIns="0" bIns="0" rtlCol="0">
-            <a:spAutoFit/>
-          </a:bodyPr>
-          <a:lstStyle/>
-          <a:p>
-            <a:pPr marL="0" indent="3084830">
-              <a:lnSpc>
-                <a:spcPct val="100000"/>
-              </a:lnSpc>
-            </a:pPr>
-            <a:r>
-              <a:rPr lang="zh-CN" altLang="en-US" sz="3200" spc="-5" dirty="0">
-                <a:solidFill>
-                  <a:srgbClr val="333F4F"/>
-                </a:solidFill>
-                <a:latin typeface="宋体"/>
-                <a:ea typeface="宋体"/>
-              </a:rPr>
-              <a:t>基本</a:t>
-            </a:r>
-            <a:r>
-              <a:rPr lang="zh-CN" altLang="en-US" sz="3200" dirty="0">
-                <a:solidFill>
-                  <a:srgbClr val="333F4F"/>
-                </a:solidFill>
-                <a:latin typeface="宋体"/>
-                <a:ea typeface="宋体"/>
-              </a:rPr>
-              <a:t>优化</a:t>
-            </a:r>
-            <a:endParaRPr lang="zh-CN" altLang="en-US" sz="3200" dirty="0">
-              <a:solidFill>
-                <a:srgbClr val="333F4F"/>
-              </a:solidFill>
-              <a:latin typeface="宋体"/>
-              <a:ea typeface="宋体"/>
-            </a:endParaRPr>
-          </a:p>
-          <a:p>
-            <a:pPr>
-              <a:lnSpc>
-                <a:spcPts val="1000"/>
-              </a:lnSpc>
-            </a:pPr>
-            <a:endParaRPr lang="en-US" dirty="0"/>
-          </a:p>
-          <a:p>
-            <a:pPr>
-              <a:lnSpc>
-                <a:spcPts val="1000"/>
-              </a:lnSpc>
-            </a:pPr>
-            <a:endParaRPr lang="en-US" dirty="0"/>
-          </a:p>
-          <a:p>
-            <a:pPr>
-              <a:lnSpc>
-                <a:spcPts val="1000"/>
-              </a:lnSpc>
-            </a:pPr>
-            <a:endParaRPr lang="en-US" dirty="0"/>
-          </a:p>
-          <a:p>
-            <a:pPr>
-              <a:lnSpc>
-                <a:spcPts val="1000"/>
-              </a:lnSpc>
-            </a:pPr>
-            <a:endParaRPr lang="en-US" dirty="0"/>
-          </a:p>
-          <a:p>
-            <a:pPr>
-              <a:lnSpc>
-                <a:spcPts val="1000"/>
-              </a:lnSpc>
-            </a:pPr>
-            <a:endParaRPr lang="en-US" dirty="0"/>
-          </a:p>
-          <a:p>
-            <a:pPr>
-              <a:lnSpc>
-                <a:spcPts val="1920"/>
-              </a:lnSpc>
-            </a:pPr>
-            <a:endParaRPr lang="en-US" dirty="0"/>
-          </a:p>
-          <a:p>
-            <a:pPr marL="0" hangingPunct="0">
-              <a:lnSpc>
-                <a:spcPct val="166000"/>
-              </a:lnSpc>
-            </a:pPr>
-            <a:r>
-              <a:rPr lang="zh-CN" altLang="en-US" sz="2500" spc="-415" dirty="0">
-                <a:solidFill>
-                  <a:srgbClr val="44332E"/>
-                </a:solidFill>
-                <a:latin typeface="宋体"/>
-                <a:ea typeface="宋体"/>
-              </a:rPr>
-              <a:t>不不要滥⽤用</a:t>
-            </a:r>
-            <a:r>
-              <a:rPr lang="en-US" altLang="zh-CN" sz="2500" spc="-175" dirty="0">
-                <a:solidFill>
-                  <a:srgbClr val="44332E"/>
-                </a:solidFill>
-                <a:latin typeface="Arial" panose="020B0604020202020204"/>
-                <a:ea typeface="Arial" panose="020B0604020202020204"/>
-              </a:rPr>
-              <a:t>time.After</a:t>
-            </a:r>
-            <a:r>
-              <a:rPr lang="zh-CN" altLang="en-US" sz="2500" spc="-419" dirty="0">
-                <a:solidFill>
-                  <a:srgbClr val="44332E"/>
-                </a:solidFill>
-                <a:latin typeface="宋体"/>
-                <a:ea typeface="宋体"/>
-              </a:rPr>
-              <a:t>，多⽤用</a:t>
-            </a:r>
-            <a:r>
-              <a:rPr lang="zh-CN" altLang="en-US" sz="2500" spc="-410" dirty="0">
-                <a:solidFill>
-                  <a:srgbClr val="44332E"/>
-                </a:solidFill>
-                <a:latin typeface="宋体"/>
-                <a:ea typeface="宋体"/>
-              </a:rPr>
-              <a:t>事件通知</a:t>
-            </a:r>
-            <a:r>
-              <a:rPr lang="zh-CN" altLang="en-US" sz="2500" spc="-570" dirty="0">
-                <a:solidFill>
-                  <a:srgbClr val="44332E"/>
-                </a:solidFill>
-                <a:latin typeface="宋体"/>
-                <a:ea typeface="宋体"/>
-              </a:rPr>
-              <a:t>不不要滥⽤用</a:t>
-            </a:r>
-            <a:r>
-              <a:rPr lang="en-US" altLang="zh-CN" sz="2500" spc="-255" dirty="0">
-                <a:solidFill>
-                  <a:srgbClr val="44332E"/>
-                </a:solidFill>
-                <a:latin typeface="Arial" panose="020B0604020202020204"/>
-                <a:ea typeface="Arial" panose="020B0604020202020204"/>
-              </a:rPr>
-              <a:t>goroutine,</a:t>
-            </a:r>
-            <a:r>
-              <a:rPr lang="en-US" altLang="zh-CN" sz="2500" spc="-15" dirty="0">
-                <a:solidFill>
-                  <a:srgbClr val="44332E"/>
-                </a:solidFill>
-                <a:latin typeface="Arial" panose="020B0604020202020204"/>
-                <a:cs typeface="Arial" panose="020B0604020202020204"/>
-              </a:rPr>
-              <a:t> </a:t>
-            </a:r>
-            <a:r>
-              <a:rPr lang="zh-CN" altLang="en-US" sz="2500" spc="-575" dirty="0">
-                <a:solidFill>
-                  <a:srgbClr val="44332E"/>
-                </a:solidFill>
-                <a:latin typeface="宋体"/>
-                <a:ea typeface="宋体"/>
-              </a:rPr>
-              <a:t>减少</a:t>
-            </a:r>
-            <a:r>
-              <a:rPr lang="en-US" altLang="zh-CN" sz="2500" spc="-300" dirty="0">
-                <a:solidFill>
-                  <a:srgbClr val="44332E"/>
-                </a:solidFill>
-                <a:latin typeface="Arial" panose="020B0604020202020204"/>
-                <a:ea typeface="Arial" panose="020B0604020202020204"/>
-              </a:rPr>
-              <a:t>gc</a:t>
-            </a:r>
-            <a:r>
-              <a:rPr lang="zh-CN" altLang="en-US" sz="2500" spc="-570" dirty="0">
-                <a:solidFill>
-                  <a:srgbClr val="44332E"/>
-                </a:solidFill>
-                <a:latin typeface="宋体"/>
-                <a:ea typeface="宋体"/>
-              </a:rPr>
-              <a:t>压⼒力力</a:t>
-            </a:r>
-            <a:endParaRPr lang="zh-CN" altLang="en-US" sz="2500" spc="-570" dirty="0">
-              <a:solidFill>
-                <a:srgbClr val="44332E"/>
-              </a:solidFill>
-              <a:latin typeface="宋体"/>
-              <a:ea typeface="宋体"/>
-            </a:endParaRPr>
-          </a:p>
-          <a:p>
-            <a:pPr>
-              <a:lnSpc>
-                <a:spcPts val="1020"/>
-              </a:lnSpc>
-            </a:pPr>
-            <a:endParaRPr lang="en-US" dirty="0"/>
-          </a:p>
-          <a:p>
-            <a:pPr marL="0">
-              <a:lnSpc>
-                <a:spcPct val="100000"/>
-              </a:lnSpc>
-            </a:pPr>
-            <a:r>
-              <a:rPr lang="zh-CN" altLang="en-US" sz="2500" spc="-405" dirty="0">
-                <a:solidFill>
-                  <a:srgbClr val="44332E"/>
-                </a:solidFill>
-                <a:latin typeface="宋体"/>
-                <a:ea typeface="宋体"/>
-              </a:rPr>
-              <a:t>不不要滥⽤用锁</a:t>
-            </a:r>
-            <a:r>
-              <a:rPr lang="en-US" altLang="zh-CN" sz="2500" spc="-100" dirty="0">
-                <a:solidFill>
-                  <a:srgbClr val="44332E"/>
-                </a:solidFill>
-                <a:latin typeface="Arial" panose="020B0604020202020204"/>
-                <a:ea typeface="Arial" panose="020B0604020202020204"/>
-              </a:rPr>
-              <a:t>,</a:t>
-            </a:r>
-            <a:r>
-              <a:rPr lang="en-US" altLang="zh-CN" sz="2500" spc="-5" dirty="0">
-                <a:solidFill>
-                  <a:srgbClr val="44332E"/>
-                </a:solidFill>
-                <a:latin typeface="Arial" panose="020B0604020202020204"/>
-                <a:cs typeface="Arial" panose="020B0604020202020204"/>
-              </a:rPr>
-              <a:t> </a:t>
-            </a:r>
-            <a:r>
-              <a:rPr lang="zh-CN" altLang="en-US" sz="2500" spc="-405" dirty="0">
-                <a:solidFill>
-                  <a:srgbClr val="44332E"/>
-                </a:solidFill>
-                <a:latin typeface="宋体"/>
-                <a:ea typeface="宋体"/>
-              </a:rPr>
-              <a:t>引起</a:t>
-            </a:r>
-            <a:r>
-              <a:rPr lang="en-US" altLang="zh-CN" sz="2500" spc="-190" dirty="0">
-                <a:solidFill>
-                  <a:srgbClr val="44332E"/>
-                </a:solidFill>
-                <a:latin typeface="Arial" panose="020B0604020202020204"/>
-                <a:ea typeface="Arial" panose="020B0604020202020204"/>
-              </a:rPr>
-              <a:t>runtime</a:t>
-            </a:r>
-            <a:r>
-              <a:rPr lang="zh-CN" altLang="en-US" sz="2500" spc="-405" dirty="0">
-                <a:solidFill>
-                  <a:srgbClr val="44332E"/>
-                </a:solidFill>
-                <a:latin typeface="宋体"/>
-                <a:ea typeface="宋体"/>
-              </a:rPr>
-              <a:t>上下⽂文切换</a:t>
-            </a:r>
-            <a:endParaRPr lang="zh-CN" altLang="en-US" sz="2500" spc="-405" dirty="0">
-              <a:solidFill>
-                <a:srgbClr val="44332E"/>
-              </a:solidFill>
-              <a:latin typeface="宋体"/>
-              <a:ea typeface="宋体"/>
-            </a:endParaRPr>
-          </a:p>
-          <a:p>
-            <a:pPr>
-              <a:lnSpc>
-                <a:spcPts val="1000"/>
-              </a:lnSpc>
-            </a:pPr>
-            <a:endParaRPr lang="en-US" dirty="0"/>
-          </a:p>
-          <a:p>
-            <a:pPr>
-              <a:lnSpc>
-                <a:spcPts val="1000"/>
-              </a:lnSpc>
-            </a:pPr>
-            <a:endParaRPr lang="en-US" dirty="0"/>
-          </a:p>
-          <a:p>
-            <a:pPr>
-              <a:lnSpc>
-                <a:spcPts val="1000"/>
-              </a:lnSpc>
-            </a:pPr>
-            <a:endParaRPr lang="en-US" dirty="0"/>
-          </a:p>
-          <a:p>
-            <a:pPr>
-              <a:lnSpc>
-                <a:spcPts val="1000"/>
-              </a:lnSpc>
-            </a:pPr>
-            <a:endParaRPr lang="en-US" dirty="0"/>
-          </a:p>
-          <a:p>
-            <a:pPr>
-              <a:lnSpc>
-                <a:spcPts val="1000"/>
-              </a:lnSpc>
-            </a:pPr>
-            <a:endParaRPr lang="en-US" dirty="0"/>
-          </a:p>
-          <a:p>
-            <a:pPr>
-              <a:lnSpc>
-                <a:spcPts val="1000"/>
-              </a:lnSpc>
-            </a:pPr>
-            <a:endParaRPr lang="en-US" dirty="0"/>
-          </a:p>
-          <a:p>
-            <a:pPr>
-              <a:lnSpc>
-                <a:spcPts val="1000"/>
-              </a:lnSpc>
-            </a:pPr>
-            <a:endParaRPr lang="en-US" dirty="0"/>
-          </a:p>
-          <a:p>
-            <a:pPr>
-              <a:lnSpc>
-                <a:spcPts val="1000"/>
-              </a:lnSpc>
-            </a:pPr>
-            <a:endParaRPr lang="en-US" dirty="0"/>
-          </a:p>
-          <a:p>
-            <a:pPr>
-              <a:lnSpc>
-                <a:spcPts val="1590"/>
-              </a:lnSpc>
-            </a:pPr>
-            <a:endParaRPr lang="en-US" dirty="0"/>
-          </a:p>
-          <a:p>
-            <a:pPr marL="0">
-              <a:lnSpc>
-                <a:spcPct val="100000"/>
-              </a:lnSpc>
-            </a:pPr>
-            <a:r>
-              <a:rPr lang="zh-CN" altLang="en-US" sz="2500" spc="-250" dirty="0">
-                <a:solidFill>
-                  <a:srgbClr val="3F352E"/>
-                </a:solidFill>
-                <a:latin typeface="宋体"/>
-                <a:ea typeface="宋体"/>
-              </a:rPr>
-              <a:t>使⽤用</a:t>
-            </a:r>
-            <a:r>
-              <a:rPr lang="en-US" altLang="zh-CN" sz="2500" spc="-125" dirty="0">
-                <a:solidFill>
-                  <a:srgbClr val="3F352E"/>
-                </a:solidFill>
-                <a:latin typeface="Arial" panose="020B0604020202020204"/>
-                <a:ea typeface="Arial" panose="020B0604020202020204"/>
-              </a:rPr>
-              <a:t>unsafe</a:t>
-            </a:r>
-            <a:r>
-              <a:rPr lang="zh-CN" altLang="en-US" sz="2500" spc="-260" dirty="0">
-                <a:solidFill>
-                  <a:srgbClr val="3F352E"/>
-                </a:solidFill>
-                <a:latin typeface="宋体"/>
-                <a:ea typeface="宋体"/>
-              </a:rPr>
-              <a:t>装换</a:t>
-            </a:r>
-            <a:r>
-              <a:rPr lang="zh-CN" altLang="en-US" sz="2500" spc="-250" dirty="0">
-                <a:solidFill>
-                  <a:srgbClr val="3F352E"/>
-                </a:solidFill>
-                <a:latin typeface="宋体"/>
-                <a:ea typeface="宋体"/>
-              </a:rPr>
-              <a:t>类型</a:t>
-            </a:r>
-            <a:endParaRPr lang="zh-CN" altLang="en-US" sz="2500" spc="-250" dirty="0">
-              <a:solidFill>
-                <a:srgbClr val="3F352E"/>
-              </a:solidFill>
-              <a:latin typeface="宋体"/>
-              <a:ea typeface="宋体"/>
-            </a:endParaRPr>
-          </a:p>
-          <a:p>
-            <a:pPr>
-              <a:lnSpc>
-                <a:spcPts val="1590"/>
-              </a:lnSpc>
-            </a:pPr>
-            <a:endParaRPr lang="en-US" dirty="0"/>
-          </a:p>
-          <a:p>
-            <a:pPr marL="0">
-              <a:lnSpc>
-                <a:spcPct val="100000"/>
-              </a:lnSpc>
-            </a:pPr>
-            <a:r>
-              <a:rPr lang="zh-CN" altLang="en-US" sz="2500" spc="-190" dirty="0">
-                <a:solidFill>
-                  <a:srgbClr val="3F352E"/>
-                </a:solidFill>
-                <a:latin typeface="宋体"/>
-                <a:ea typeface="宋体"/>
-              </a:rPr>
-              <a:t>不不要总是</a:t>
-            </a:r>
-            <a:r>
-              <a:rPr lang="en-US" altLang="zh-CN" sz="2500" spc="-75" dirty="0">
-                <a:solidFill>
-                  <a:srgbClr val="3F352E"/>
-                </a:solidFill>
-                <a:latin typeface="Arial" panose="020B0604020202020204"/>
-                <a:ea typeface="Arial" panose="020B0604020202020204"/>
-              </a:rPr>
-              <a:t>[]byte</a:t>
-            </a:r>
-            <a:r>
-              <a:rPr lang="zh-CN" altLang="en-US" sz="2500" spc="-190" dirty="0">
-                <a:solidFill>
-                  <a:srgbClr val="3F352E"/>
-                </a:solidFill>
-                <a:latin typeface="宋体"/>
-                <a:ea typeface="宋体"/>
-              </a:rPr>
-              <a:t>、</a:t>
-            </a:r>
-            <a:r>
-              <a:rPr lang="en-US" altLang="zh-CN" sz="2500" spc="-80" dirty="0">
-                <a:solidFill>
-                  <a:srgbClr val="3F352E"/>
-                </a:solidFill>
-                <a:latin typeface="Arial" panose="020B0604020202020204"/>
-                <a:ea typeface="Arial" panose="020B0604020202020204"/>
-              </a:rPr>
-              <a:t>String</a:t>
-            </a:r>
-            <a:r>
-              <a:rPr lang="zh-CN" altLang="en-US" sz="2500" spc="-195" dirty="0">
-                <a:solidFill>
-                  <a:srgbClr val="3F352E"/>
-                </a:solidFill>
-                <a:latin typeface="宋体"/>
-                <a:ea typeface="宋体"/>
-              </a:rPr>
-              <a:t>转换</a:t>
-            </a:r>
-            <a:r>
-              <a:rPr lang="en-US" altLang="zh-CN" sz="2500" spc="-50" dirty="0">
-                <a:solidFill>
-                  <a:srgbClr val="3F352E"/>
-                </a:solidFill>
-                <a:latin typeface="Arial" panose="020B0604020202020204"/>
-                <a:ea typeface="Arial" panose="020B0604020202020204"/>
-              </a:rPr>
-              <a:t>.</a:t>
-            </a:r>
-            <a:endParaRPr lang="en-US" altLang="zh-CN" sz="2500" spc="-50" dirty="0">
-              <a:solidFill>
-                <a:srgbClr val="3F352E"/>
               </a:solidFill>
               <a:latin typeface="Arial" panose="020B0604020202020204"/>
               <a:ea typeface="Arial" panose="020B0604020202020204"/>
